--- a/Präsentation/Introduction.pptx
+++ b/Präsentation/Introduction.pptx
@@ -5,18 +5,20 @@
     <p:sldMasterId id="2147483696" r:id="rId4"/>
   </p:sldMasterIdLst>
   <p:notesMasterIdLst>
-    <p:notesMasterId r:id="rId11"/>
+    <p:notesMasterId r:id="rId13"/>
   </p:notesMasterIdLst>
   <p:handoutMasterIdLst>
-    <p:handoutMasterId r:id="rId12"/>
+    <p:handoutMasterId r:id="rId14"/>
   </p:handoutMasterIdLst>
   <p:sldIdLst>
     <p:sldId id="306" r:id="rId5"/>
     <p:sldId id="313" r:id="rId6"/>
     <p:sldId id="308" r:id="rId7"/>
     <p:sldId id="317" r:id="rId8"/>
-    <p:sldId id="318" r:id="rId9"/>
-    <p:sldId id="312" r:id="rId10"/>
+    <p:sldId id="319" r:id="rId9"/>
+    <p:sldId id="318" r:id="rId10"/>
+    <p:sldId id="320" r:id="rId11"/>
+    <p:sldId id="312" r:id="rId12"/>
   </p:sldIdLst>
   <p:sldSz cx="12192000" cy="6858000"/>
   <p:notesSz cx="6858000" cy="9144000"/>
@@ -4334,7 +4336,7 @@
             <a:pPr rtl="0"/>
             <a:fld id="{D5939589-3E79-4C82-AA4A-FE78234FAA59}" type="slidenum">
               <a:rPr lang="de-DE" smtClean="0"/>
-              <a:t>6</a:t>
+              <a:t>8</a:t>
             </a:fld>
             <a:endParaRPr lang="de-DE"/>
           </a:p>
@@ -15892,7 +15894,7 @@
           <p:cNvPr id="2" name="Titel 1">
             <a:extLst>
               <a:ext uri="{FF2B5EF4-FFF2-40B4-BE49-F238E27FC236}">
-                <a16:creationId xmlns:a16="http://schemas.microsoft.com/office/drawing/2014/main" id="{47ADBE5C-979F-8045-E991-2AC7BB0CD4F2}"/>
+                <a16:creationId xmlns:a16="http://schemas.microsoft.com/office/drawing/2014/main" id="{03863DFF-0957-08F6-9054-09B115EED952}"/>
               </a:ext>
             </a:extLst>
           </p:cNvPr>
@@ -15927,7 +15929,7 @@
           <p:cNvPr id="3" name="Inhaltsplatzhalter 2">
             <a:extLst>
               <a:ext uri="{FF2B5EF4-FFF2-40B4-BE49-F238E27FC236}">
-                <a16:creationId xmlns:a16="http://schemas.microsoft.com/office/drawing/2014/main" id="{2C27FFC0-46D4-3E78-AAE8-586C59C2756D}"/>
+                <a16:creationId xmlns:a16="http://schemas.microsoft.com/office/drawing/2014/main" id="{DA7766A1-F0A1-31E6-8D23-F9A3D2C5C7D1}"/>
               </a:ext>
             </a:extLst>
           </p:cNvPr>
@@ -15943,7 +15945,7 @@
           <a:bodyPr/>
           <a:lstStyle/>
           <a:p>
-            <a:endParaRPr lang="de-AT" dirty="0"/>
+            <a:endParaRPr lang="de-AT"/>
           </a:p>
         </p:txBody>
       </p:sp>
@@ -15952,7 +15954,7 @@
           <p:cNvPr id="4" name="Datumsplatzhalter 3">
             <a:extLst>
               <a:ext uri="{FF2B5EF4-FFF2-40B4-BE49-F238E27FC236}">
-                <a16:creationId xmlns:a16="http://schemas.microsoft.com/office/drawing/2014/main" id="{D00A823A-5250-6E6A-2F36-B04A9D3FE38B}"/>
+                <a16:creationId xmlns:a16="http://schemas.microsoft.com/office/drawing/2014/main" id="{4184F90A-8378-BB42-EE41-4C676F2A47F4}"/>
               </a:ext>
             </a:extLst>
           </p:cNvPr>
@@ -15981,7 +15983,7 @@
           <p:cNvPr id="6" name="Foliennummernplatzhalter 5">
             <a:extLst>
               <a:ext uri="{FF2B5EF4-FFF2-40B4-BE49-F238E27FC236}">
-                <a16:creationId xmlns:a16="http://schemas.microsoft.com/office/drawing/2014/main" id="{6DCD9FFE-9639-A578-9006-4EB8AFAE5D39}"/>
+                <a16:creationId xmlns:a16="http://schemas.microsoft.com/office/drawing/2014/main" id="{20D51805-AED3-350A-0C8B-1E99154821E3}"/>
               </a:ext>
             </a:extLst>
           </p:cNvPr>
@@ -16010,7 +16012,7 @@
     </p:spTree>
     <p:extLst>
       <p:ext uri="{BB962C8B-B14F-4D97-AF65-F5344CB8AC3E}">
-        <p14:creationId xmlns:p14="http://schemas.microsoft.com/office/powerpoint/2010/main" val="125901882"/>
+        <p14:creationId xmlns:p14="http://schemas.microsoft.com/office/powerpoint/2010/main" val="1498000389"/>
       </p:ext>
     </p:extLst>
   </p:cSld>
@@ -16039,6 +16041,302 @@
       </p:grpSpPr>
       <p:sp>
         <p:nvSpPr>
+          <p:cNvPr id="2" name="Titel 1">
+            <a:extLst>
+              <a:ext uri="{FF2B5EF4-FFF2-40B4-BE49-F238E27FC236}">
+                <a16:creationId xmlns:a16="http://schemas.microsoft.com/office/drawing/2014/main" id="{47ADBE5C-979F-8045-E991-2AC7BB0CD4F2}"/>
+              </a:ext>
+            </a:extLst>
+          </p:cNvPr>
+          <p:cNvSpPr>
+            <a:spLocks noGrp="1"/>
+          </p:cNvSpPr>
+          <p:nvPr>
+            <p:ph type="title"/>
+          </p:nvPr>
+        </p:nvSpPr>
+        <p:spPr>
+          <a:xfrm>
+            <a:off x="838200" y="365125"/>
+            <a:ext cx="10515600" cy="1000831"/>
+          </a:xfrm>
+        </p:spPr>
+        <p:txBody>
+          <a:bodyPr anchor="ctr">
+            <a:normAutofit/>
+          </a:bodyPr>
+          <a:lstStyle/>
+          <a:p>
+            <a:r>
+              <a:rPr lang="de-AT" dirty="0"/>
+              <a:t>Hauptfenster</a:t>
+            </a:r>
+          </a:p>
+        </p:txBody>
+      </p:sp>
+      <p:pic>
+        <p:nvPicPr>
+          <p:cNvPr id="8" name="Inhaltsplatzhalter 7">
+            <a:extLst>
+              <a:ext uri="{FF2B5EF4-FFF2-40B4-BE49-F238E27FC236}">
+                <a16:creationId xmlns:a16="http://schemas.microsoft.com/office/drawing/2014/main" id="{C60E1EBC-89C3-09E8-B0A9-8BE237D4C9C1}"/>
+              </a:ext>
+            </a:extLst>
+          </p:cNvPr>
+          <p:cNvPicPr>
+            <a:picLocks noGrp="1" noChangeAspect="1"/>
+          </p:cNvPicPr>
+          <p:nvPr>
+            <p:ph idx="1"/>
+          </p:nvPr>
+        </p:nvPicPr>
+        <p:blipFill>
+          <a:blip r:embed="rId2"/>
+          <a:stretch>
+            <a:fillRect/>
+          </a:stretch>
+        </p:blipFill>
+        <p:spPr>
+          <a:xfrm>
+            <a:off x="838199" y="1253331"/>
+            <a:ext cx="11088983" cy="5239544"/>
+          </a:xfrm>
+          <a:noFill/>
+        </p:spPr>
+      </p:pic>
+      <p:sp>
+        <p:nvSpPr>
+          <p:cNvPr id="6" name="Foliennummernplatzhalter 5">
+            <a:extLst>
+              <a:ext uri="{FF2B5EF4-FFF2-40B4-BE49-F238E27FC236}">
+                <a16:creationId xmlns:a16="http://schemas.microsoft.com/office/drawing/2014/main" id="{6DCD9FFE-9639-A578-9006-4EB8AFAE5D39}"/>
+              </a:ext>
+            </a:extLst>
+          </p:cNvPr>
+          <p:cNvSpPr>
+            <a:spLocks noGrp="1"/>
+          </p:cNvSpPr>
+          <p:nvPr>
+            <p:ph type="sldNum" sz="quarter" idx="12"/>
+          </p:nvPr>
+        </p:nvSpPr>
+        <p:spPr>
+          <a:xfrm>
+            <a:off x="8610600" y="6356350"/>
+            <a:ext cx="2743200" cy="365125"/>
+          </a:xfrm>
+        </p:spPr>
+        <p:txBody>
+          <a:bodyPr anchor="ctr">
+            <a:normAutofit/>
+          </a:bodyPr>
+          <a:lstStyle/>
+          <a:p>
+            <a:pPr rtl="0">
+              <a:spcAft>
+                <a:spcPts val="600"/>
+              </a:spcAft>
+            </a:pPr>
+            <a:fld id="{D8DA9DAA-006C-4F4B-980E-E3DF019B24E2}" type="slidenum">
+              <a:rPr lang="de-DE" noProof="0" smtClean="0"/>
+              <a:pPr rtl="0">
+                <a:spcAft>
+                  <a:spcPts val="600"/>
+                </a:spcAft>
+              </a:pPr>
+              <a:t>6</a:t>
+            </a:fld>
+            <a:endParaRPr lang="de-DE" noProof="0"/>
+          </a:p>
+        </p:txBody>
+      </p:sp>
+      <p:sp>
+        <p:nvSpPr>
+          <p:cNvPr id="4" name="Datumsplatzhalter 3" hidden="1">
+            <a:extLst>
+              <a:ext uri="{FF2B5EF4-FFF2-40B4-BE49-F238E27FC236}">
+                <a16:creationId xmlns:a16="http://schemas.microsoft.com/office/drawing/2014/main" id="{D00A823A-5250-6E6A-2F36-B04A9D3FE38B}"/>
+              </a:ext>
+            </a:extLst>
+          </p:cNvPr>
+          <p:cNvSpPr>
+            <a:spLocks noGrp="1"/>
+          </p:cNvSpPr>
+          <p:nvPr>
+            <p:ph type="dt" sz="half" idx="4294967295"/>
+          </p:nvPr>
+        </p:nvSpPr>
+        <p:spPr>
+          <a:xfrm>
+            <a:off x="658368" y="6356350"/>
+            <a:ext cx="2743200" cy="365125"/>
+          </a:xfrm>
+        </p:spPr>
+        <p:txBody>
+          <a:bodyPr/>
+          <a:lstStyle/>
+          <a:p>
+            <a:pPr rtl="0">
+              <a:spcAft>
+                <a:spcPts val="600"/>
+              </a:spcAft>
+            </a:pPr>
+            <a:r>
+              <a:rPr lang="de-DE" noProof="0"/>
+              <a:t>3.9.20XX</a:t>
+            </a:r>
+          </a:p>
+        </p:txBody>
+      </p:sp>
+    </p:spTree>
+    <p:extLst>
+      <p:ext uri="{BB962C8B-B14F-4D97-AF65-F5344CB8AC3E}">
+        <p14:creationId xmlns:p14="http://schemas.microsoft.com/office/powerpoint/2010/main" val="125901882"/>
+      </p:ext>
+    </p:extLst>
+  </p:cSld>
+  <p:clrMapOvr>
+    <a:masterClrMapping/>
+  </p:clrMapOvr>
+</p:sld>
+</file>
+
+<file path=ppt/slides/slide7.xml><?xml version="1.0" encoding="utf-8"?>
+<p:sld xmlns:a="http://schemas.openxmlformats.org/drawingml/2006/main" xmlns:r="http://schemas.openxmlformats.org/officeDocument/2006/relationships" xmlns:p="http://schemas.openxmlformats.org/presentationml/2006/main">
+  <p:cSld>
+    <p:spTree>
+      <p:nvGrpSpPr>
+        <p:cNvPr id="1" name=""/>
+        <p:cNvGrpSpPr/>
+        <p:nvPr/>
+      </p:nvGrpSpPr>
+      <p:grpSpPr>
+        <a:xfrm>
+          <a:off x="0" y="0"/>
+          <a:ext cx="0" cy="0"/>
+          <a:chOff x="0" y="0"/>
+          <a:chExt cx="0" cy="0"/>
+        </a:xfrm>
+      </p:grpSpPr>
+      <p:sp>
+        <p:nvSpPr>
+          <p:cNvPr id="2" name="Titel 1">
+            <a:extLst>
+              <a:ext uri="{FF2B5EF4-FFF2-40B4-BE49-F238E27FC236}">
+                <a16:creationId xmlns:a16="http://schemas.microsoft.com/office/drawing/2014/main" id="{D08F26BF-742A-8E0E-B6A8-D1D7EFF605C8}"/>
+              </a:ext>
+            </a:extLst>
+          </p:cNvPr>
+          <p:cNvSpPr>
+            <a:spLocks noGrp="1"/>
+          </p:cNvSpPr>
+          <p:nvPr>
+            <p:ph type="title"/>
+          </p:nvPr>
+        </p:nvSpPr>
+        <p:spPr/>
+        <p:txBody>
+          <a:bodyPr/>
+          <a:lstStyle/>
+          <a:p>
+            <a:r>
+              <a:rPr lang="de-AT"/>
+              <a:t>Bestellungen</a:t>
+            </a:r>
+          </a:p>
+        </p:txBody>
+      </p:sp>
+      <p:pic>
+        <p:nvPicPr>
+          <p:cNvPr id="6" name="Inhaltsplatzhalter 5">
+            <a:extLst>
+              <a:ext uri="{FF2B5EF4-FFF2-40B4-BE49-F238E27FC236}">
+                <a16:creationId xmlns:a16="http://schemas.microsoft.com/office/drawing/2014/main" id="{1C24993A-5396-3476-E696-D84B67183D5B}"/>
+              </a:ext>
+            </a:extLst>
+          </p:cNvPr>
+          <p:cNvPicPr>
+            <a:picLocks noGrp="1" noChangeAspect="1"/>
+          </p:cNvPicPr>
+          <p:nvPr>
+            <p:ph idx="1"/>
+          </p:nvPr>
+        </p:nvPicPr>
+        <p:blipFill>
+          <a:blip r:embed="rId2"/>
+          <a:stretch>
+            <a:fillRect/>
+          </a:stretch>
+        </p:blipFill>
+        <p:spPr>
+          <a:xfrm>
+            <a:off x="5021487" y="2263783"/>
+            <a:ext cx="2149026" cy="3475021"/>
+          </a:xfrm>
+        </p:spPr>
+      </p:pic>
+      <p:sp>
+        <p:nvSpPr>
+          <p:cNvPr id="4" name="Foliennummernplatzhalter 3">
+            <a:extLst>
+              <a:ext uri="{FF2B5EF4-FFF2-40B4-BE49-F238E27FC236}">
+                <a16:creationId xmlns:a16="http://schemas.microsoft.com/office/drawing/2014/main" id="{C21DEEB2-835B-7584-C9D9-ADE3CC04C582}"/>
+              </a:ext>
+            </a:extLst>
+          </p:cNvPr>
+          <p:cNvSpPr>
+            <a:spLocks noGrp="1"/>
+          </p:cNvSpPr>
+          <p:nvPr>
+            <p:ph type="sldNum" sz="quarter" idx="12"/>
+          </p:nvPr>
+        </p:nvSpPr>
+        <p:spPr/>
+        <p:txBody>
+          <a:bodyPr/>
+          <a:lstStyle/>
+          <a:p>
+            <a:pPr rtl="0"/>
+            <a:fld id="{D8DA9DAA-006C-4F4B-980E-E3DF019B24E2}" type="slidenum">
+              <a:rPr lang="de-DE" noProof="0" smtClean="0"/>
+              <a:t>7</a:t>
+            </a:fld>
+            <a:endParaRPr lang="de-DE" noProof="0"/>
+          </a:p>
+        </p:txBody>
+      </p:sp>
+    </p:spTree>
+    <p:extLst>
+      <p:ext uri="{BB962C8B-B14F-4D97-AF65-F5344CB8AC3E}">
+        <p14:creationId xmlns:p14="http://schemas.microsoft.com/office/powerpoint/2010/main" val="1277641178"/>
+      </p:ext>
+    </p:extLst>
+  </p:cSld>
+  <p:clrMapOvr>
+    <a:masterClrMapping/>
+  </p:clrMapOvr>
+</p:sld>
+</file>
+
+<file path=ppt/slides/slide8.xml><?xml version="1.0" encoding="utf-8"?>
+<p:sld xmlns:a="http://schemas.openxmlformats.org/drawingml/2006/main" xmlns:r="http://schemas.openxmlformats.org/officeDocument/2006/relationships" xmlns:p="http://schemas.openxmlformats.org/presentationml/2006/main">
+  <p:cSld>
+    <p:spTree>
+      <p:nvGrpSpPr>
+        <p:cNvPr id="1" name=""/>
+        <p:cNvGrpSpPr/>
+        <p:nvPr/>
+      </p:nvGrpSpPr>
+      <p:grpSpPr>
+        <a:xfrm>
+          <a:off x="0" y="0"/>
+          <a:ext cx="0" cy="0"/>
+          <a:chOff x="0" y="0"/>
+          <a:chExt cx="0" cy="0"/>
+        </a:xfrm>
+      </p:grpSpPr>
+      <p:sp>
+        <p:nvSpPr>
           <p:cNvPr id="22" name="Datumsplatzhalter 21">
             <a:extLst>
               <a:ext uri="{FF2B5EF4-FFF2-40B4-BE49-F238E27FC236}">
@@ -16091,7 +16389,7 @@
             <a:fld id="{D8DA9DAA-006C-4F4B-980E-E3DF019B24E2}" type="slidenum">
               <a:rPr lang="de-DE" smtClean="0"/>
               <a:pPr rtl="0"/>
-              <a:t>6</a:t>
+              <a:t>8</a:t>
             </a:fld>
             <a:endParaRPr lang="de-DE"/>
           </a:p>

--- a/Präsentation/Introduction.pptx
+++ b/Präsentation/Introduction.pptx
@@ -5,10 +5,10 @@
     <p:sldMasterId id="2147483696" r:id="rId4"/>
   </p:sldMasterIdLst>
   <p:notesMasterIdLst>
-    <p:notesMasterId r:id="rId13"/>
+    <p:notesMasterId r:id="rId14"/>
   </p:notesMasterIdLst>
   <p:handoutMasterIdLst>
-    <p:handoutMasterId r:id="rId14"/>
+    <p:handoutMasterId r:id="rId15"/>
   </p:handoutMasterIdLst>
   <p:sldIdLst>
     <p:sldId id="306" r:id="rId5"/>
@@ -18,7 +18,8 @@
     <p:sldId id="319" r:id="rId9"/>
     <p:sldId id="318" r:id="rId10"/>
     <p:sldId id="320" r:id="rId11"/>
-    <p:sldId id="312" r:id="rId12"/>
+    <p:sldId id="321" r:id="rId12"/>
+    <p:sldId id="312" r:id="rId13"/>
   </p:sldIdLst>
   <p:sldSz cx="12192000" cy="6858000"/>
   <p:notesSz cx="6858000" cy="9144000"/>
@@ -4336,7 +4337,7 @@
             <a:pPr rtl="0"/>
             <a:fld id="{D5939589-3E79-4C82-AA4A-FE78234FAA59}" type="slidenum">
               <a:rPr lang="de-DE" smtClean="0"/>
-              <a:t>8</a:t>
+              <a:t>9</a:t>
             </a:fld>
             <a:endParaRPr lang="de-DE"/>
           </a:p>
@@ -16240,7 +16241,7 @@
           <a:lstStyle/>
           <a:p>
             <a:r>
-              <a:rPr lang="de-AT"/>
+              <a:rPr lang="de-AT" dirty="0"/>
               <a:t>Bestellungen</a:t>
             </a:r>
           </a:p>
@@ -16270,8 +16271,8 @@
         </p:blipFill>
         <p:spPr>
           <a:xfrm>
-            <a:off x="5021487" y="2263783"/>
-            <a:ext cx="2149026" cy="3475021"/>
+            <a:off x="5305778" y="51940"/>
+            <a:ext cx="4176889" cy="6754119"/>
           </a:xfrm>
         </p:spPr>
       </p:pic>
@@ -16337,6 +16338,153 @@
       </p:grpSpPr>
       <p:sp>
         <p:nvSpPr>
+          <p:cNvPr id="2" name="Titel 1">
+            <a:extLst>
+              <a:ext uri="{FF2B5EF4-FFF2-40B4-BE49-F238E27FC236}">
+                <a16:creationId xmlns:a16="http://schemas.microsoft.com/office/drawing/2014/main" id="{1BCBCDD0-8DA2-0CC6-67AE-C831354A0C97}"/>
+              </a:ext>
+            </a:extLst>
+          </p:cNvPr>
+          <p:cNvSpPr>
+            <a:spLocks noGrp="1"/>
+          </p:cNvSpPr>
+          <p:nvPr>
+            <p:ph type="title"/>
+          </p:nvPr>
+        </p:nvSpPr>
+        <p:spPr/>
+        <p:txBody>
+          <a:bodyPr/>
+          <a:lstStyle/>
+          <a:p>
+            <a:r>
+              <a:rPr lang="de-AT" dirty="0"/>
+              <a:t>Interaktionen</a:t>
+            </a:r>
+          </a:p>
+        </p:txBody>
+      </p:sp>
+      <p:pic>
+        <p:nvPicPr>
+          <p:cNvPr id="6" name="Inhaltsplatzhalter 5">
+            <a:extLst>
+              <a:ext uri="{FF2B5EF4-FFF2-40B4-BE49-F238E27FC236}">
+                <a16:creationId xmlns:a16="http://schemas.microsoft.com/office/drawing/2014/main" id="{F9DF3901-6B1B-C795-613E-067D8DA321D8}"/>
+              </a:ext>
+            </a:extLst>
+          </p:cNvPr>
+          <p:cNvPicPr>
+            <a:picLocks noGrp="1" noChangeAspect="1"/>
+          </p:cNvPicPr>
+          <p:nvPr>
+            <p:ph idx="1"/>
+          </p:nvPr>
+        </p:nvPicPr>
+        <p:blipFill>
+          <a:blip r:embed="rId2"/>
+          <a:stretch>
+            <a:fillRect/>
+          </a:stretch>
+        </p:blipFill>
+        <p:spPr>
+          <a:xfrm>
+            <a:off x="1494783" y="1954749"/>
+            <a:ext cx="4601217" cy="3686689"/>
+          </a:xfrm>
+        </p:spPr>
+      </p:pic>
+      <p:sp>
+        <p:nvSpPr>
+          <p:cNvPr id="4" name="Foliennummernplatzhalter 3">
+            <a:extLst>
+              <a:ext uri="{FF2B5EF4-FFF2-40B4-BE49-F238E27FC236}">
+                <a16:creationId xmlns:a16="http://schemas.microsoft.com/office/drawing/2014/main" id="{6EDCEEED-F251-C25D-464D-7E7510B5962C}"/>
+              </a:ext>
+            </a:extLst>
+          </p:cNvPr>
+          <p:cNvSpPr>
+            <a:spLocks noGrp="1"/>
+          </p:cNvSpPr>
+          <p:nvPr>
+            <p:ph type="sldNum" sz="quarter" idx="12"/>
+          </p:nvPr>
+        </p:nvSpPr>
+        <p:spPr/>
+        <p:txBody>
+          <a:bodyPr/>
+          <a:lstStyle/>
+          <a:p>
+            <a:pPr rtl="0"/>
+            <a:fld id="{D8DA9DAA-006C-4F4B-980E-E3DF019B24E2}" type="slidenum">
+              <a:rPr lang="de-DE" noProof="0" smtClean="0"/>
+              <a:t>8</a:t>
+            </a:fld>
+            <a:endParaRPr lang="de-DE" noProof="0"/>
+          </a:p>
+        </p:txBody>
+      </p:sp>
+      <p:pic>
+        <p:nvPicPr>
+          <p:cNvPr id="8" name="Grafik 7">
+            <a:extLst>
+              <a:ext uri="{FF2B5EF4-FFF2-40B4-BE49-F238E27FC236}">
+                <a16:creationId xmlns:a16="http://schemas.microsoft.com/office/drawing/2014/main" id="{2131E646-E5F5-7CBC-9EFA-03ACA3768809}"/>
+              </a:ext>
+            </a:extLst>
+          </p:cNvPr>
+          <p:cNvPicPr>
+            <a:picLocks noChangeAspect="1"/>
+          </p:cNvPicPr>
+          <p:nvPr/>
+        </p:nvPicPr>
+        <p:blipFill>
+          <a:blip r:embed="rId3"/>
+          <a:stretch>
+            <a:fillRect/>
+          </a:stretch>
+        </p:blipFill>
+        <p:spPr>
+          <a:xfrm>
+            <a:off x="6638267" y="1954749"/>
+            <a:ext cx="4715533" cy="3829584"/>
+          </a:xfrm>
+          <a:prstGeom prst="rect">
+            <a:avLst/>
+          </a:prstGeom>
+        </p:spPr>
+      </p:pic>
+    </p:spTree>
+    <p:extLst>
+      <p:ext uri="{BB962C8B-B14F-4D97-AF65-F5344CB8AC3E}">
+        <p14:creationId xmlns:p14="http://schemas.microsoft.com/office/powerpoint/2010/main" val="525331060"/>
+      </p:ext>
+    </p:extLst>
+  </p:cSld>
+  <p:clrMapOvr>
+    <a:masterClrMapping/>
+  </p:clrMapOvr>
+</p:sld>
+</file>
+
+<file path=ppt/slides/slide9.xml><?xml version="1.0" encoding="utf-8"?>
+<p:sld xmlns:a="http://schemas.openxmlformats.org/drawingml/2006/main" xmlns:r="http://schemas.openxmlformats.org/officeDocument/2006/relationships" xmlns:p="http://schemas.openxmlformats.org/presentationml/2006/main">
+  <p:cSld>
+    <p:spTree>
+      <p:nvGrpSpPr>
+        <p:cNvPr id="1" name=""/>
+        <p:cNvGrpSpPr/>
+        <p:nvPr/>
+      </p:nvGrpSpPr>
+      <p:grpSpPr>
+        <a:xfrm>
+          <a:off x="0" y="0"/>
+          <a:ext cx="0" cy="0"/>
+          <a:chOff x="0" y="0"/>
+          <a:chExt cx="0" cy="0"/>
+        </a:xfrm>
+      </p:grpSpPr>
+      <p:sp>
+        <p:nvSpPr>
           <p:cNvPr id="22" name="Datumsplatzhalter 21">
             <a:extLst>
               <a:ext uri="{FF2B5EF4-FFF2-40B4-BE49-F238E27FC236}">
@@ -16389,7 +16537,7 @@
             <a:fld id="{D8DA9DAA-006C-4F4B-980E-E3DF019B24E2}" type="slidenum">
               <a:rPr lang="de-DE" smtClean="0"/>
               <a:pPr rtl="0"/>
-              <a:t>8</a:t>
+              <a:t>9</a:t>
             </a:fld>
             <a:endParaRPr lang="de-DE"/>
           </a:p>

--- a/Präsentation/Introduction.pptx
+++ b/Präsentation/Introduction.pptx
@@ -5,21 +5,20 @@
     <p:sldMasterId id="2147483696" r:id="rId4"/>
   </p:sldMasterIdLst>
   <p:notesMasterIdLst>
-    <p:notesMasterId r:id="rId14"/>
+    <p:notesMasterId r:id="rId13"/>
   </p:notesMasterIdLst>
   <p:handoutMasterIdLst>
-    <p:handoutMasterId r:id="rId15"/>
+    <p:handoutMasterId r:id="rId14"/>
   </p:handoutMasterIdLst>
   <p:sldIdLst>
     <p:sldId id="306" r:id="rId5"/>
     <p:sldId id="313" r:id="rId6"/>
     <p:sldId id="308" r:id="rId7"/>
-    <p:sldId id="317" r:id="rId8"/>
-    <p:sldId id="319" r:id="rId9"/>
-    <p:sldId id="318" r:id="rId10"/>
-    <p:sldId id="320" r:id="rId11"/>
-    <p:sldId id="321" r:id="rId12"/>
-    <p:sldId id="312" r:id="rId13"/>
+    <p:sldId id="319" r:id="rId8"/>
+    <p:sldId id="318" r:id="rId9"/>
+    <p:sldId id="320" r:id="rId10"/>
+    <p:sldId id="321" r:id="rId11"/>
+    <p:sldId id="312" r:id="rId12"/>
   </p:sldIdLst>
   <p:sldSz cx="12192000" cy="6858000"/>
   <p:notesSz cx="6858000" cy="9144000"/>
@@ -972,6 +971,24 @@
             <a:t>Markus Schwarz</a:t>
           </a:r>
         </a:p>
+        <a:p>
+          <a:pPr algn="ctr">
+            <a:lnSpc>
+              <a:spcPct val="100000"/>
+            </a:lnSpc>
+            <a:defRPr b="1" spc="20">
+              <a:latin typeface="+mj-lt"/>
+            </a:defRPr>
+          </a:pPr>
+          <a:r>
+            <a:rPr lang="de-DE" noProof="0" dirty="0">
+              <a:solidFill>
+                <a:schemeClr val="bg1"/>
+              </a:solidFill>
+            </a:rPr>
+            <a:t>(Server)</a:t>
+          </a:r>
+        </a:p>
       </dgm:t>
     </dgm:pt>
     <dgm:pt modelId="{FC4F4986-5DCD-4DC2-B7FD-2C5FABEF9979}" type="parTrans" cxnId="{E6EDE7CF-5B3F-4E2C-99EE-D5462F0EC9CE}">
@@ -1020,6 +1037,24 @@
               </a:solidFill>
             </a:rPr>
             <a:t>David Zeilinger</a:t>
+          </a:r>
+        </a:p>
+        <a:p>
+          <a:pPr algn="ctr">
+            <a:lnSpc>
+              <a:spcPct val="100000"/>
+            </a:lnSpc>
+            <a:defRPr b="1" spc="20">
+              <a:latin typeface="+mj-lt"/>
+            </a:defRPr>
+          </a:pPr>
+          <a:r>
+            <a:rPr lang="de-DE" noProof="0" dirty="0">
+              <a:solidFill>
+                <a:schemeClr val="bg1"/>
+              </a:solidFill>
+            </a:rPr>
+            <a:t>(Client, Wartung)</a:t>
           </a:r>
           <a:br>
             <a:rPr lang="de-DE" noProof="0" dirty="0">
@@ -1090,11 +1125,14 @@
               </a:solidFill>
             </a:rPr>
           </a:br>
-          <a:endParaRPr lang="de-DE" noProof="0" dirty="0">
-            <a:solidFill>
-              <a:schemeClr val="bg1"/>
-            </a:solidFill>
-          </a:endParaRPr>
+          <a:r>
+            <a:rPr lang="de-DE" noProof="0" dirty="0">
+              <a:solidFill>
+                <a:schemeClr val="bg1"/>
+              </a:solidFill>
+            </a:rPr>
+            <a:t>(Client, Design)</a:t>
+          </a:r>
         </a:p>
       </dgm:t>
     </dgm:pt>
@@ -1377,7 +1415,7 @@
       </dsp:nvSpPr>
       <dsp:spPr>
         <a:xfrm>
-          <a:off x="1022755" y="460948"/>
+          <a:off x="1029130" y="460948"/>
           <a:ext cx="2194559" cy="2468883"/>
         </a:xfrm>
         <a:prstGeom prst="rect">
@@ -1425,8 +1463,8 @@
       </dsp:nvSpPr>
       <dsp:spPr>
         <a:xfrm>
-          <a:off x="923417" y="3081438"/>
-          <a:ext cx="2393235" cy="487349"/>
+          <a:off x="932128" y="3081438"/>
+          <a:ext cx="2388563" cy="487349"/>
         </a:xfrm>
         <a:prstGeom prst="rect">
           <a:avLst/>
@@ -1455,7 +1493,7 @@
         </a:bodyPr>
         <a:lstStyle/>
         <a:p>
-          <a:pPr marL="0" lvl="0" indent="0" algn="ctr" defTabSz="666750">
+          <a:pPr marL="0" lvl="0" indent="0" algn="ctr" defTabSz="622300">
             <a:lnSpc>
               <a:spcPct val="100000"/>
             </a:lnSpc>
@@ -1471,7 +1509,7 @@
             </a:defRPr>
           </a:pPr>
           <a:r>
-            <a:rPr lang="de-DE" sz="1500" kern="1200" noProof="0" dirty="0">
+            <a:rPr lang="de-DE" sz="1400" kern="1200" noProof="0" dirty="0">
               <a:solidFill>
                 <a:schemeClr val="bg1"/>
               </a:solidFill>
@@ -1479,10 +1517,35 @@
             <a:t>Markus Schwarz</a:t>
           </a:r>
         </a:p>
+        <a:p>
+          <a:pPr marL="0" lvl="0" indent="0" algn="ctr" defTabSz="622300">
+            <a:lnSpc>
+              <a:spcPct val="100000"/>
+            </a:lnSpc>
+            <a:spcBef>
+              <a:spcPct val="0"/>
+            </a:spcBef>
+            <a:spcAft>
+              <a:spcPct val="35000"/>
+            </a:spcAft>
+            <a:buNone/>
+            <a:defRPr b="1" spc="20">
+              <a:latin typeface="+mj-lt"/>
+            </a:defRPr>
+          </a:pPr>
+          <a:r>
+            <a:rPr lang="de-DE" sz="1400" kern="1200" noProof="0" dirty="0">
+              <a:solidFill>
+                <a:schemeClr val="bg1"/>
+              </a:solidFill>
+            </a:rPr>
+            <a:t>(Server)</a:t>
+          </a:r>
+        </a:p>
       </dsp:txBody>
       <dsp:txXfrm>
-        <a:off x="923417" y="3081438"/>
-        <a:ext cx="2393235" cy="487349"/>
+        <a:off x="932128" y="3081438"/>
+        <a:ext cx="2388563" cy="487349"/>
       </dsp:txXfrm>
     </dsp:sp>
     <dsp:sp modelId="{7D166BBB-55AF-452C-B9A0-94A1EE55FF4F}">
@@ -1492,8 +1555,8 @@
       </dsp:nvSpPr>
       <dsp:spPr>
         <a:xfrm>
-          <a:off x="923417" y="3416310"/>
-          <a:ext cx="2393235" cy="603748"/>
+          <a:off x="932128" y="3416310"/>
+          <a:ext cx="2388563" cy="603748"/>
         </a:xfrm>
         <a:prstGeom prst="rect">
           <a:avLst/>
@@ -1572,8 +1635,8 @@
       </dsp:nvSpPr>
       <dsp:spPr>
         <a:xfrm>
-          <a:off x="3735469" y="3081438"/>
-          <a:ext cx="3300248" cy="487349"/>
+          <a:off x="3738690" y="3081438"/>
+          <a:ext cx="3293805" cy="487349"/>
         </a:xfrm>
         <a:prstGeom prst="rect">
           <a:avLst/>
@@ -1602,7 +1665,7 @@
         </a:bodyPr>
         <a:lstStyle/>
         <a:p>
-          <a:pPr marL="0" lvl="0" indent="0" algn="ctr" defTabSz="666750">
+          <a:pPr marL="0" lvl="0" indent="0" algn="ctr" defTabSz="622300">
             <a:lnSpc>
               <a:spcPct val="100000"/>
             </a:lnSpc>
@@ -1618,21 +1681,46 @@
             </a:defRPr>
           </a:pPr>
           <a:r>
-            <a:rPr lang="de-DE" sz="1500" kern="1200" noProof="0" dirty="0">
+            <a:rPr lang="de-DE" sz="1400" kern="1200" noProof="0" dirty="0">
               <a:solidFill>
                 <a:schemeClr val="bg1"/>
               </a:solidFill>
             </a:rPr>
             <a:t>David Zeilinger</a:t>
           </a:r>
+        </a:p>
+        <a:p>
+          <a:pPr marL="0" lvl="0" indent="0" algn="ctr" defTabSz="622300">
+            <a:lnSpc>
+              <a:spcPct val="100000"/>
+            </a:lnSpc>
+            <a:spcBef>
+              <a:spcPct val="0"/>
+            </a:spcBef>
+            <a:spcAft>
+              <a:spcPct val="35000"/>
+            </a:spcAft>
+            <a:buNone/>
+            <a:defRPr b="1" spc="20">
+              <a:latin typeface="+mj-lt"/>
+            </a:defRPr>
+          </a:pPr>
+          <a:r>
+            <a:rPr lang="de-DE" sz="1400" kern="1200" noProof="0" dirty="0">
+              <a:solidFill>
+                <a:schemeClr val="bg1"/>
+              </a:solidFill>
+            </a:rPr>
+            <a:t>(Client, Wartung)</a:t>
+          </a:r>
           <a:br>
-            <a:rPr lang="de-DE" sz="1500" kern="1200" noProof="0" dirty="0">
+            <a:rPr lang="de-DE" sz="1400" kern="1200" noProof="0" dirty="0">
               <a:solidFill>
                 <a:schemeClr val="bg1"/>
               </a:solidFill>
             </a:rPr>
           </a:br>
-          <a:endParaRPr lang="de-DE" sz="1500" kern="1200" noProof="0" dirty="0">
+          <a:endParaRPr lang="de-DE" sz="1400" kern="1200" noProof="0" dirty="0">
             <a:solidFill>
               <a:schemeClr val="bg1"/>
             </a:solidFill>
@@ -1640,8 +1728,8 @@
         </a:p>
       </dsp:txBody>
       <dsp:txXfrm>
-        <a:off x="3735469" y="3081438"/>
-        <a:ext cx="3300248" cy="487349"/>
+        <a:off x="3738690" y="3081438"/>
+        <a:ext cx="3293805" cy="487349"/>
       </dsp:txXfrm>
     </dsp:sp>
     <dsp:sp modelId="{1223E777-77CB-4A9A-BF21-12B513842696}">
@@ -1651,8 +1739,8 @@
       </dsp:nvSpPr>
       <dsp:spPr>
         <a:xfrm>
-          <a:off x="4188975" y="3416310"/>
-          <a:ext cx="2393235" cy="603748"/>
+          <a:off x="4191311" y="3416310"/>
+          <a:ext cx="2388563" cy="603748"/>
         </a:xfrm>
         <a:prstGeom prst="rect">
           <a:avLst/>
@@ -1683,7 +1771,7 @@
       </dsp:nvSpPr>
       <dsp:spPr>
         <a:xfrm>
-          <a:off x="7553872" y="460948"/>
+          <a:off x="7547497" y="460948"/>
           <a:ext cx="2194559" cy="2468883"/>
         </a:xfrm>
         <a:prstGeom prst="rect">
@@ -1731,8 +1819,8 @@
       </dsp:nvSpPr>
       <dsp:spPr>
         <a:xfrm>
-          <a:off x="7454533" y="3081438"/>
-          <a:ext cx="2393235" cy="487349"/>
+          <a:off x="7450495" y="3081438"/>
+          <a:ext cx="2388563" cy="487349"/>
         </a:xfrm>
         <a:prstGeom prst="rect">
           <a:avLst/>
@@ -1761,7 +1849,7 @@
         </a:bodyPr>
         <a:lstStyle/>
         <a:p>
-          <a:pPr marL="0" lvl="0" indent="0" algn="ctr" defTabSz="666750">
+          <a:pPr marL="0" lvl="0" indent="0" algn="ctr" defTabSz="622300">
             <a:lnSpc>
               <a:spcPct val="100000"/>
             </a:lnSpc>
@@ -1777,7 +1865,7 @@
             </a:defRPr>
           </a:pPr>
           <a:r>
-            <a:rPr lang="de-DE" sz="1500" kern="1200" noProof="0" dirty="0">
+            <a:rPr lang="de-DE" sz="1400" kern="1200" noProof="0" dirty="0">
               <a:solidFill>
                 <a:schemeClr val="bg1"/>
               </a:solidFill>
@@ -1785,22 +1873,25 @@
             <a:t>Fabian Schned</a:t>
           </a:r>
           <a:br>
-            <a:rPr lang="de-DE" sz="1500" kern="1200" noProof="0" dirty="0">
+            <a:rPr lang="de-DE" sz="1400" kern="1200" noProof="0" dirty="0">
               <a:solidFill>
                 <a:schemeClr val="bg1"/>
               </a:solidFill>
             </a:rPr>
           </a:br>
-          <a:endParaRPr lang="de-DE" sz="1500" kern="1200" noProof="0" dirty="0">
-            <a:solidFill>
-              <a:schemeClr val="bg1"/>
-            </a:solidFill>
-          </a:endParaRPr>
+          <a:r>
+            <a:rPr lang="de-DE" sz="1400" kern="1200" noProof="0" dirty="0">
+              <a:solidFill>
+                <a:schemeClr val="bg1"/>
+              </a:solidFill>
+            </a:rPr>
+            <a:t>(Client, Design)</a:t>
+          </a:r>
         </a:p>
       </dsp:txBody>
       <dsp:txXfrm>
-        <a:off x="7454533" y="3081438"/>
-        <a:ext cx="2393235" cy="487349"/>
+        <a:off x="7450495" y="3081438"/>
+        <a:ext cx="2388563" cy="487349"/>
       </dsp:txXfrm>
     </dsp:sp>
     <dsp:sp modelId="{EE420F84-477D-4635-BEF8-66426E9A259D}">
@@ -1810,8 +1901,8 @@
       </dsp:nvSpPr>
       <dsp:spPr>
         <a:xfrm>
-          <a:off x="7454533" y="3416310"/>
-          <a:ext cx="2393235" cy="603748"/>
+          <a:off x="7450495" y="3416310"/>
+          <a:ext cx="2388563" cy="603748"/>
         </a:xfrm>
         <a:prstGeom prst="rect">
           <a:avLst/>
@@ -4147,90 +4238,7 @@
           <a:bodyPr/>
           <a:lstStyle/>
           <a:p>
-            <a:r>
-              <a:rPr lang="de-DE" dirty="0"/>
-              <a:t>Da es für </a:t>
-            </a:r>
-            <a:r>
-              <a:rPr lang="de-DE" dirty="0" err="1"/>
-              <a:t>Lagerverwaltungs</a:t>
-            </a:r>
-            <a:r>
-              <a:rPr lang="de-DE" dirty="0"/>
-              <a:t> Probleme manchmal nach sehr spezifischen </a:t>
-            </a:r>
-            <a:r>
-              <a:rPr lang="de-DE" dirty="0" err="1"/>
-              <a:t>lösungswegen</a:t>
-            </a:r>
-            <a:r>
-              <a:rPr lang="de-DE" dirty="0"/>
-              <a:t> verlangt wurden </a:t>
-            </a:r>
-            <a:r>
-              <a:rPr lang="de-DE" dirty="0" err="1"/>
-              <a:t>wier</a:t>
-            </a:r>
-            <a:r>
-              <a:rPr lang="de-DE" dirty="0"/>
-              <a:t> von der Firmer </a:t>
-            </a:r>
-            <a:r>
-              <a:rPr lang="de-DE" dirty="0" err="1"/>
-              <a:t>Gyöngyi</a:t>
-            </a:r>
-            <a:r>
-              <a:rPr lang="de-DE" dirty="0"/>
-              <a:t> Zeilinger beauftragt ein </a:t>
-            </a:r>
-            <a:r>
-              <a:rPr lang="de-DE" dirty="0" err="1"/>
-              <a:t>Lagerferwaltungssystem</a:t>
-            </a:r>
-            <a:r>
-              <a:rPr lang="de-DE" dirty="0"/>
-              <a:t> zu Entwickeln dass all ihre Probleme lösen kann. Unser </a:t>
-            </a:r>
-            <a:r>
-              <a:rPr lang="de-DE" dirty="0" err="1"/>
-              <a:t>Verwaltungs</a:t>
-            </a:r>
-            <a:r>
-              <a:rPr lang="de-DE" dirty="0"/>
-              <a:t> Programm vereinfacht die Übersicht aller Produkte und Materialien die sich derzeit im </a:t>
-            </a:r>
-            <a:r>
-              <a:rPr lang="de-DE" dirty="0" err="1"/>
-              <a:t>lager</a:t>
-            </a:r>
-            <a:r>
-              <a:rPr lang="de-DE" dirty="0"/>
-              <a:t> befinden sowie auch aller </a:t>
-            </a:r>
-            <a:r>
-              <a:rPr lang="de-DE" dirty="0" err="1"/>
-              <a:t>Packete</a:t>
-            </a:r>
-            <a:r>
-              <a:rPr lang="de-DE" dirty="0"/>
-              <a:t> und </a:t>
-            </a:r>
-            <a:r>
-              <a:rPr lang="de-DE" dirty="0" err="1"/>
-              <a:t>bestellungen</a:t>
-            </a:r>
-            <a:r>
-              <a:rPr lang="de-DE" dirty="0"/>
-              <a:t> die </a:t>
-            </a:r>
-            <a:r>
-              <a:rPr lang="de-DE" dirty="0" err="1"/>
-              <a:t>stoniert</a:t>
-            </a:r>
-            <a:r>
-              <a:rPr lang="de-DE" dirty="0"/>
-              <a:t> bestellt und bereit für die Lieferung sind.</a:t>
-            </a:r>
+            <a:endParaRPr lang="de-DE" dirty="0"/>
           </a:p>
         </p:txBody>
       </p:sp>
@@ -4252,92 +4260,7 @@
             <a:pPr rtl="0"/>
             <a:fld id="{D5939589-3E79-4C82-AA4A-FE78234FAA59}" type="slidenum">
               <a:rPr lang="de-DE" smtClean="0"/>
-              <a:t>4</a:t>
-            </a:fld>
-            <a:endParaRPr lang="de-DE"/>
-          </a:p>
-        </p:txBody>
-      </p:sp>
-    </p:spTree>
-    <p:extLst>
-      <p:ext uri="{BB962C8B-B14F-4D97-AF65-F5344CB8AC3E}">
-        <p14:creationId xmlns:p14="http://schemas.microsoft.com/office/powerpoint/2010/main" val="1477388388"/>
-      </p:ext>
-    </p:extLst>
-  </p:cSld>
-  <p:clrMapOvr>
-    <a:masterClrMapping/>
-  </p:clrMapOvr>
-</p:notes>
-</file>
-
-<file path=ppt/notesSlides/notesSlide5.xml><?xml version="1.0" encoding="utf-8"?>
-<p:notes xmlns:a="http://schemas.openxmlformats.org/drawingml/2006/main" xmlns:r="http://schemas.openxmlformats.org/officeDocument/2006/relationships" xmlns:p="http://schemas.openxmlformats.org/presentationml/2006/main">
-  <p:cSld>
-    <p:spTree>
-      <p:nvGrpSpPr>
-        <p:cNvPr id="1" name=""/>
-        <p:cNvGrpSpPr/>
-        <p:nvPr/>
-      </p:nvGrpSpPr>
-      <p:grpSpPr>
-        <a:xfrm>
-          <a:off x="0" y="0"/>
-          <a:ext cx="0" cy="0"/>
-          <a:chOff x="0" y="0"/>
-          <a:chExt cx="0" cy="0"/>
-        </a:xfrm>
-      </p:grpSpPr>
-      <p:sp>
-        <p:nvSpPr>
-          <p:cNvPr id="2" name="Folienbildplatzhalter 1"/>
-          <p:cNvSpPr>
-            <a:spLocks noGrp="1" noRot="1" noChangeAspect="1"/>
-          </p:cNvSpPr>
-          <p:nvPr>
-            <p:ph type="sldImg"/>
-          </p:nvPr>
-        </p:nvSpPr>
-        <p:spPr/>
-      </p:sp>
-      <p:sp>
-        <p:nvSpPr>
-          <p:cNvPr id="3" name="Notizenplatzhalter 2"/>
-          <p:cNvSpPr>
-            <a:spLocks noGrp="1"/>
-          </p:cNvSpPr>
-          <p:nvPr>
-            <p:ph type="body" idx="1"/>
-          </p:nvPr>
-        </p:nvSpPr>
-        <p:spPr/>
-        <p:txBody>
-          <a:bodyPr/>
-          <a:lstStyle/>
-          <a:p>
-            <a:endParaRPr lang="de-DE" dirty="0"/>
-          </a:p>
-        </p:txBody>
-      </p:sp>
-      <p:sp>
-        <p:nvSpPr>
-          <p:cNvPr id="4" name="Foliennummernplatzhalter 3"/>
-          <p:cNvSpPr>
-            <a:spLocks noGrp="1"/>
-          </p:cNvSpPr>
-          <p:nvPr>
-            <p:ph type="sldNum" sz="quarter" idx="5"/>
-          </p:nvPr>
-        </p:nvSpPr>
-        <p:spPr/>
-        <p:txBody>
-          <a:bodyPr/>
-          <a:lstStyle/>
-          <a:p>
-            <a:pPr rtl="0"/>
-            <a:fld id="{D5939589-3E79-4C82-AA4A-FE78234FAA59}" type="slidenum">
-              <a:rPr lang="de-DE" smtClean="0"/>
-              <a:t>9</a:t>
+              <a:t>8</a:t>
             </a:fld>
             <a:endParaRPr lang="de-DE"/>
           </a:p>
@@ -15322,7 +15245,7 @@
             <p:ph idx="1"/>
             <p:extLst>
               <p:ext uri="{D42A27DB-BD31-4B8C-83A1-F6EECF244321}">
-                <p14:modId xmlns:p14="http://schemas.microsoft.com/office/powerpoint/2010/main" val="2458017948"/>
+                <p14:modId xmlns:p14="http://schemas.microsoft.com/office/powerpoint/2010/main" val="111973667"/>
               </p:ext>
             </p:extLst>
           </p:nvPr>
@@ -15494,15 +15417,27 @@
           </a:bodyPr>
           <a:lstStyle/>
           <a:p>
+            <a:pPr>
+              <a:spcAft>
+                <a:spcPts val="600"/>
+              </a:spcAft>
+            </a:pPr>
+            <a:r>
+              <a:rPr lang="de-DE" dirty="0"/>
+              <a:t>20</a:t>
+            </a:r>
+            <a:r>
+              <a:rPr lang="de-DE" noProof="0" dirty="0"/>
+              <a:t>.02.2023</a:t>
+            </a:r>
+          </a:p>
+          <a:p>
             <a:pPr rtl="0">
               <a:spcAft>
                 <a:spcPts val="600"/>
               </a:spcAft>
             </a:pPr>
-            <a:r>
-              <a:rPr lang="de-DE" noProof="0" dirty="0"/>
-              <a:t>3.9.2022</a:t>
-            </a:r>
+            <a:endParaRPr lang="de-DE" noProof="0" dirty="0"/>
           </a:p>
         </p:txBody>
       </p:sp>
@@ -15548,46 +15483,6 @@
       </p:sp>
       <p:sp>
         <p:nvSpPr>
-          <p:cNvPr id="11" name="Foliennummernplatzhalter 10">
-            <a:extLst>
-              <a:ext uri="{FF2B5EF4-FFF2-40B4-BE49-F238E27FC236}">
-                <a16:creationId xmlns:a16="http://schemas.microsoft.com/office/drawing/2014/main" id="{56AE2454-CE9A-4A6B-AB5A-349E0D967654}"/>
-              </a:ext>
-            </a:extLst>
-          </p:cNvPr>
-          <p:cNvSpPr>
-            <a:spLocks noGrp="1"/>
-          </p:cNvSpPr>
-          <p:nvPr>
-            <p:ph type="sldNum" sz="quarter" idx="12"/>
-          </p:nvPr>
-        </p:nvSpPr>
-        <p:spPr>
-          <a:xfrm>
-            <a:off x="8610600" y="201168"/>
-            <a:ext cx="2743200" cy="365125"/>
-          </a:xfrm>
-        </p:spPr>
-        <p:txBody>
-          <a:bodyPr rtlCol="0" anchor="ctr">
-            <a:normAutofit/>
-          </a:bodyPr>
-          <a:lstStyle/>
-          <a:p>
-            <a:pPr rtl="0">
-              <a:spcAft>
-                <a:spcPts val="600"/>
-              </a:spcAft>
-            </a:pPr>
-            <a:r>
-              <a:rPr lang="de-DE"/>
-              <a:t>2</a:t>
-            </a:r>
-          </a:p>
-        </p:txBody>
-      </p:sp>
-      <p:sp>
-        <p:nvSpPr>
           <p:cNvPr id="4" name="Inhaltsplatzhalter 3">
             <a:extLst>
               <a:ext uri="{FF2B5EF4-FFF2-40B4-BE49-F238E27FC236}">
@@ -15636,16 +15531,15 @@
           </p:cNvPicPr>
           <p:nvPr/>
         </p:nvPicPr>
-        <p:blipFill>
+        <p:blipFill rotWithShape="1">
           <a:blip r:embed="rId4"/>
-          <a:stretch>
-            <a:fillRect/>
-          </a:stretch>
+          <a:srcRect t="7084"/>
+          <a:stretch/>
         </p:blipFill>
         <p:spPr>
           <a:xfrm>
-            <a:off x="0" y="0"/>
-            <a:ext cx="12192000" cy="6858000"/>
+            <a:off x="0" y="485774"/>
+            <a:ext cx="12192000" cy="6372225"/>
           </a:xfrm>
           <a:prstGeom prst="rect">
             <a:avLst/>
@@ -15684,10 +15578,10 @@
       </p:grpSpPr>
       <p:sp>
         <p:nvSpPr>
-          <p:cNvPr id="3" name="Titel 2">
+          <p:cNvPr id="2" name="Titel 1">
             <a:extLst>
               <a:ext uri="{FF2B5EF4-FFF2-40B4-BE49-F238E27FC236}">
-                <a16:creationId xmlns:a16="http://schemas.microsoft.com/office/drawing/2014/main" id="{0115FF41-AFA4-4D25-AB42-AB034F4B4FEC}"/>
+                <a16:creationId xmlns:a16="http://schemas.microsoft.com/office/drawing/2014/main" id="{03863DFF-0957-08F6-9054-09B115EED952}"/>
               </a:ext>
             </a:extLst>
           </p:cNvPr>
@@ -15698,40 +15592,56 @@
             <p:ph type="title"/>
           </p:nvPr>
         </p:nvSpPr>
-        <p:spPr>
-          <a:xfrm>
-            <a:off x="5202936" y="585216"/>
-            <a:ext cx="5833872" cy="2276856"/>
-          </a:xfrm>
-        </p:spPr>
+        <p:spPr/>
         <p:txBody>
-          <a:bodyPr rtlCol="0" anchor="b">
-            <a:normAutofit/>
+          <a:bodyPr>
+            <a:normAutofit fontScale="90000"/>
           </a:bodyPr>
           <a:lstStyle/>
           <a:p>
-            <a:pPr rtl="0"/>
-            <a:r>
-              <a:rPr lang="de-DE" dirty="0"/>
-              <a:t>Was bringt </a:t>
-            </a:r>
-            <a:r>
-              <a:rPr lang="de-DE" dirty="0" err="1"/>
-              <a:t>MultiFlex</a:t>
-            </a:r>
-            <a:r>
-              <a:rPr lang="de-DE" dirty="0"/>
-              <a:t>?</a:t>
-            </a:r>
+            <a:r>
+              <a:rPr lang="de-AT" dirty="0"/>
+              <a:t>Wie funktioniert </a:t>
+            </a:r>
+            <a:r>
+              <a:rPr lang="de-AT" dirty="0" err="1"/>
+              <a:t>Multiflex</a:t>
+            </a:r>
+            <a:endParaRPr lang="de-AT" dirty="0"/>
           </a:p>
         </p:txBody>
       </p:sp>
       <p:sp>
         <p:nvSpPr>
-          <p:cNvPr id="24" name="Date Placeholder 3">
+          <p:cNvPr id="3" name="Inhaltsplatzhalter 2">
             <a:extLst>
               <a:ext uri="{FF2B5EF4-FFF2-40B4-BE49-F238E27FC236}">
-                <a16:creationId xmlns:a16="http://schemas.microsoft.com/office/drawing/2014/main" id="{AE5441CE-D93F-29DA-4BD1-BD0FFB609CC4}"/>
+                <a16:creationId xmlns:a16="http://schemas.microsoft.com/office/drawing/2014/main" id="{DA7766A1-F0A1-31E6-8D23-F9A3D2C5C7D1}"/>
+              </a:ext>
+            </a:extLst>
+          </p:cNvPr>
+          <p:cNvSpPr>
+            <a:spLocks noGrp="1"/>
+          </p:cNvSpPr>
+          <p:nvPr>
+            <p:ph idx="1"/>
+          </p:nvPr>
+        </p:nvSpPr>
+        <p:spPr/>
+        <p:txBody>
+          <a:bodyPr/>
+          <a:lstStyle/>
+          <a:p>
+            <a:endParaRPr lang="de-AT"/>
+          </a:p>
+        </p:txBody>
+      </p:sp>
+      <p:sp>
+        <p:nvSpPr>
+          <p:cNvPr id="4" name="Datumsplatzhalter 3">
+            <a:extLst>
+              <a:ext uri="{FF2B5EF4-FFF2-40B4-BE49-F238E27FC236}">
+                <a16:creationId xmlns:a16="http://schemas.microsoft.com/office/drawing/2014/main" id="{4184F90A-8378-BB42-EE41-4C676F2A47F4}"/>
               </a:ext>
             </a:extLst>
           </p:cNvPr>
@@ -15742,36 +15652,29 @@
             <p:ph type="dt" sz="half" idx="10"/>
           </p:nvPr>
         </p:nvSpPr>
-        <p:spPr>
-          <a:xfrm>
-            <a:off x="658368" y="201168"/>
-            <a:ext cx="2743200" cy="365125"/>
-          </a:xfrm>
-        </p:spPr>
+        <p:spPr/>
         <p:txBody>
-          <a:bodyPr anchor="ctr">
-            <a:normAutofit/>
-          </a:bodyPr>
+          <a:bodyPr/>
           <a:lstStyle/>
           <a:p>
-            <a:pPr rtl="0">
-              <a:spcAft>
-                <a:spcPts val="600"/>
-              </a:spcAft>
-            </a:pPr>
+            <a:pPr rtl="0"/>
+            <a:r>
+              <a:rPr lang="de-DE" dirty="0"/>
+              <a:t>20</a:t>
+            </a:r>
             <a:r>
               <a:rPr lang="de-DE" noProof="0" dirty="0"/>
-              <a:t>3.9.2022</a:t>
+              <a:t>.02.2023</a:t>
             </a:r>
           </a:p>
         </p:txBody>
       </p:sp>
       <p:sp>
         <p:nvSpPr>
-          <p:cNvPr id="10" name="Fußzeilenplatzhalter 9">
+          <p:cNvPr id="6" name="Foliennummernplatzhalter 5">
             <a:extLst>
               <a:ext uri="{FF2B5EF4-FFF2-40B4-BE49-F238E27FC236}">
-                <a16:creationId xmlns:a16="http://schemas.microsoft.com/office/drawing/2014/main" id="{A8C7C3A0-5E78-49C8-B8D4-F3DF62B2BC93}"/>
+                <a16:creationId xmlns:a16="http://schemas.microsoft.com/office/drawing/2014/main" id="{20D51805-AED3-350A-0C8B-1E99154821E3}"/>
               </a:ext>
             </a:extLst>
           </p:cNvPr>
@@ -15779,91 +15682,28 @@
             <a:spLocks noGrp="1"/>
           </p:cNvSpPr>
           <p:nvPr>
-            <p:ph type="ftr" sz="quarter" idx="11"/>
-          </p:nvPr>
-        </p:nvSpPr>
-        <p:spPr>
-          <a:xfrm rot="16200000">
-            <a:off x="-548640" y="1938528"/>
-            <a:ext cx="2788920" cy="365125"/>
-          </a:xfrm>
-        </p:spPr>
-        <p:txBody>
-          <a:bodyPr rtlCol="0" anchor="ctr">
-            <a:normAutofit/>
-          </a:bodyPr>
-          <a:lstStyle/>
-          <a:p>
-            <a:pPr rtl="0">
-              <a:spcAft>
-                <a:spcPts val="600"/>
-              </a:spcAft>
-            </a:pPr>
-            <a:r>
-              <a:rPr lang="de-DE"/>
-              <a:t>MultiFlex</a:t>
-            </a:r>
-          </a:p>
-        </p:txBody>
-      </p:sp>
-      <p:sp>
-        <p:nvSpPr>
-          <p:cNvPr id="4" name="Inhaltsplatzhalter 3">
-            <a:extLst>
-              <a:ext uri="{FF2B5EF4-FFF2-40B4-BE49-F238E27FC236}">
-                <a16:creationId xmlns:a16="http://schemas.microsoft.com/office/drawing/2014/main" id="{B0881FA9-F3B0-4912-B0E1-352094195C30}"/>
-              </a:ext>
-            </a:extLst>
-          </p:cNvPr>
-          <p:cNvSpPr>
-            <a:spLocks noGrp="1"/>
-          </p:cNvSpPr>
-          <p:nvPr>
-            <p:ph type="body" sz="quarter" idx="13"/>
-          </p:nvPr>
-        </p:nvSpPr>
-        <p:spPr>
-          <a:xfrm>
-            <a:off x="5202936" y="3127248"/>
-            <a:ext cx="5833872" cy="3118104"/>
-          </a:xfrm>
-        </p:spPr>
-        <p:txBody>
-          <a:bodyPr rtlCol="0">
-            <a:normAutofit/>
-          </a:bodyPr>
-          <a:lstStyle/>
-          <a:p>
-            <a:pPr rtl="0"/>
-            <a:r>
-              <a:rPr lang="de-DE" dirty="0"/>
-              <a:t>Die Firma erspart sich zu Stoßzeiten bis zu einer Stunde Arbeitszeit, was monatlich etwa 1000€ entspricht.</a:t>
-            </a:r>
-          </a:p>
-        </p:txBody>
-      </p:sp>
-      <p:sp>
-        <p:nvSpPr>
-          <p:cNvPr id="6" name="Bildplatzhalter 5">
-            <a:extLst>
-              <a:ext uri="{FF2B5EF4-FFF2-40B4-BE49-F238E27FC236}">
-                <a16:creationId xmlns:a16="http://schemas.microsoft.com/office/drawing/2014/main" id="{649F9E37-54D6-C6E6-EE32-265283296CB4}"/>
-              </a:ext>
-            </a:extLst>
-          </p:cNvPr>
-          <p:cNvSpPr>
-            <a:spLocks noGrp="1"/>
-          </p:cNvSpPr>
-          <p:nvPr>
-            <p:ph type="pic" sz="quarter" idx="14"/>
+            <p:ph type="sldNum" sz="quarter" idx="12"/>
           </p:nvPr>
         </p:nvSpPr>
         <p:spPr/>
+        <p:txBody>
+          <a:bodyPr/>
+          <a:lstStyle/>
+          <a:p>
+            <a:pPr rtl="0"/>
+            <a:fld id="{D8DA9DAA-006C-4F4B-980E-E3DF019B24E2}" type="slidenum">
+              <a:rPr lang="de-DE" noProof="0" smtClean="0"/>
+              <a:pPr rtl="0"/>
+              <a:t>4</a:t>
+            </a:fld>
+            <a:endParaRPr lang="de-DE" noProof="0"/>
+          </a:p>
+        </p:txBody>
       </p:sp>
     </p:spTree>
     <p:extLst>
       <p:ext uri="{BB962C8B-B14F-4D97-AF65-F5344CB8AC3E}">
-        <p14:creationId xmlns:p14="http://schemas.microsoft.com/office/powerpoint/2010/main" val="2779126804"/>
+        <p14:creationId xmlns:p14="http://schemas.microsoft.com/office/powerpoint/2010/main" val="1498000389"/>
       </p:ext>
     </p:extLst>
   </p:cSld>
@@ -15895,7 +15735,7 @@
           <p:cNvPr id="2" name="Titel 1">
             <a:extLst>
               <a:ext uri="{FF2B5EF4-FFF2-40B4-BE49-F238E27FC236}">
-                <a16:creationId xmlns:a16="http://schemas.microsoft.com/office/drawing/2014/main" id="{03863DFF-0957-08F6-9054-09B115EED952}"/>
+                <a16:creationId xmlns:a16="http://schemas.microsoft.com/office/drawing/2014/main" id="{47ADBE5C-979F-8045-E991-2AC7BB0CD4F2}"/>
               </a:ext>
             </a:extLst>
           </p:cNvPr>
@@ -15906,85 +15746,61 @@
             <p:ph type="title"/>
           </p:nvPr>
         </p:nvSpPr>
-        <p:spPr/>
+        <p:spPr>
+          <a:xfrm>
+            <a:off x="838200" y="365125"/>
+            <a:ext cx="10515600" cy="1000831"/>
+          </a:xfrm>
+        </p:spPr>
         <p:txBody>
-          <a:bodyPr>
-            <a:normAutofit fontScale="90000"/>
+          <a:bodyPr anchor="ctr">
+            <a:normAutofit/>
           </a:bodyPr>
           <a:lstStyle/>
           <a:p>
             <a:r>
               <a:rPr lang="de-AT" dirty="0"/>
-              <a:t>Wie funktioniert </a:t>
-            </a:r>
-            <a:r>
-              <a:rPr lang="de-AT" dirty="0" err="1"/>
-              <a:t>Multiflex</a:t>
-            </a:r>
-            <a:endParaRPr lang="de-AT" dirty="0"/>
+              <a:t>Hauptfenster</a:t>
+            </a:r>
           </a:p>
         </p:txBody>
       </p:sp>
-      <p:sp>
-        <p:nvSpPr>
-          <p:cNvPr id="3" name="Inhaltsplatzhalter 2">
+      <p:pic>
+        <p:nvPicPr>
+          <p:cNvPr id="8" name="Inhaltsplatzhalter 7">
             <a:extLst>
               <a:ext uri="{FF2B5EF4-FFF2-40B4-BE49-F238E27FC236}">
-                <a16:creationId xmlns:a16="http://schemas.microsoft.com/office/drawing/2014/main" id="{DA7766A1-F0A1-31E6-8D23-F9A3D2C5C7D1}"/>
+                <a16:creationId xmlns:a16="http://schemas.microsoft.com/office/drawing/2014/main" id="{C60E1EBC-89C3-09E8-B0A9-8BE237D4C9C1}"/>
               </a:ext>
             </a:extLst>
           </p:cNvPr>
-          <p:cNvSpPr>
-            <a:spLocks noGrp="1"/>
-          </p:cNvSpPr>
+          <p:cNvPicPr>
+            <a:picLocks noGrp="1" noChangeAspect="1"/>
+          </p:cNvPicPr>
           <p:nvPr>
             <p:ph idx="1"/>
           </p:nvPr>
-        </p:nvSpPr>
-        <p:spPr/>
-        <p:txBody>
-          <a:bodyPr/>
-          <a:lstStyle/>
-          <a:p>
-            <a:endParaRPr lang="de-AT"/>
-          </a:p>
-        </p:txBody>
-      </p:sp>
-      <p:sp>
-        <p:nvSpPr>
-          <p:cNvPr id="4" name="Datumsplatzhalter 3">
-            <a:extLst>
-              <a:ext uri="{FF2B5EF4-FFF2-40B4-BE49-F238E27FC236}">
-                <a16:creationId xmlns:a16="http://schemas.microsoft.com/office/drawing/2014/main" id="{4184F90A-8378-BB42-EE41-4C676F2A47F4}"/>
-              </a:ext>
-            </a:extLst>
-          </p:cNvPr>
-          <p:cNvSpPr>
-            <a:spLocks noGrp="1"/>
-          </p:cNvSpPr>
-          <p:nvPr>
-            <p:ph type="dt" sz="half" idx="10"/>
-          </p:nvPr>
-        </p:nvSpPr>
-        <p:spPr/>
-        <p:txBody>
-          <a:bodyPr/>
-          <a:lstStyle/>
-          <a:p>
-            <a:pPr rtl="0"/>
-            <a:r>
-              <a:rPr lang="de-DE" noProof="0"/>
-              <a:t>3.9.20XX</a:t>
-            </a:r>
-          </a:p>
-        </p:txBody>
-      </p:sp>
+        </p:nvPicPr>
+        <p:blipFill>
+          <a:blip r:embed="rId2"/>
+          <a:stretch>
+            <a:fillRect/>
+          </a:stretch>
+        </p:blipFill>
+        <p:spPr>
+          <a:xfrm>
+            <a:off x="838199" y="1253331"/>
+            <a:ext cx="11088983" cy="5239544"/>
+          </a:xfrm>
+          <a:noFill/>
+        </p:spPr>
+      </p:pic>
       <p:sp>
         <p:nvSpPr>
           <p:cNvPr id="6" name="Foliennummernplatzhalter 5">
             <a:extLst>
               <a:ext uri="{FF2B5EF4-FFF2-40B4-BE49-F238E27FC236}">
-                <a16:creationId xmlns:a16="http://schemas.microsoft.com/office/drawing/2014/main" id="{20D51805-AED3-350A-0C8B-1E99154821E3}"/>
+                <a16:creationId xmlns:a16="http://schemas.microsoft.com/office/drawing/2014/main" id="{6DCD9FFE-9639-A578-9006-4EB8AFAE5D39}"/>
               </a:ext>
             </a:extLst>
           </p:cNvPr>
@@ -15995,25 +15811,78 @@
             <p:ph type="sldNum" sz="quarter" idx="12"/>
           </p:nvPr>
         </p:nvSpPr>
-        <p:spPr/>
+        <p:spPr>
+          <a:xfrm>
+            <a:off x="8610600" y="6356350"/>
+            <a:ext cx="2743200" cy="365125"/>
+          </a:xfrm>
+        </p:spPr>
+        <p:txBody>
+          <a:bodyPr anchor="ctr">
+            <a:normAutofit/>
+          </a:bodyPr>
+          <a:lstStyle/>
+          <a:p>
+            <a:pPr rtl="0">
+              <a:spcAft>
+                <a:spcPts val="600"/>
+              </a:spcAft>
+            </a:pPr>
+            <a:fld id="{D8DA9DAA-006C-4F4B-980E-E3DF019B24E2}" type="slidenum">
+              <a:rPr lang="de-DE" noProof="0" smtClean="0"/>
+              <a:pPr rtl="0">
+                <a:spcAft>
+                  <a:spcPts val="600"/>
+                </a:spcAft>
+              </a:pPr>
+              <a:t>5</a:t>
+            </a:fld>
+            <a:endParaRPr lang="de-DE" noProof="0"/>
+          </a:p>
+        </p:txBody>
+      </p:sp>
+      <p:sp>
+        <p:nvSpPr>
+          <p:cNvPr id="4" name="Datumsplatzhalter 3" hidden="1">
+            <a:extLst>
+              <a:ext uri="{FF2B5EF4-FFF2-40B4-BE49-F238E27FC236}">
+                <a16:creationId xmlns:a16="http://schemas.microsoft.com/office/drawing/2014/main" id="{D00A823A-5250-6E6A-2F36-B04A9D3FE38B}"/>
+              </a:ext>
+            </a:extLst>
+          </p:cNvPr>
+          <p:cNvSpPr>
+            <a:spLocks noGrp="1"/>
+          </p:cNvSpPr>
+          <p:nvPr>
+            <p:ph type="dt" sz="half" idx="4294967295"/>
+          </p:nvPr>
+        </p:nvSpPr>
+        <p:spPr>
+          <a:xfrm>
+            <a:off x="658368" y="6356350"/>
+            <a:ext cx="2743200" cy="365125"/>
+          </a:xfrm>
+        </p:spPr>
         <p:txBody>
           <a:bodyPr/>
           <a:lstStyle/>
           <a:p>
-            <a:pPr rtl="0"/>
-            <a:fld id="{D8DA9DAA-006C-4F4B-980E-E3DF019B24E2}" type="slidenum">
-              <a:rPr lang="de-DE" noProof="0" smtClean="0"/>
-              <a:pPr rtl="0"/>
-              <a:t>5</a:t>
-            </a:fld>
-            <a:endParaRPr lang="de-DE" noProof="0"/>
+            <a:pPr rtl="0">
+              <a:spcAft>
+                <a:spcPts val="600"/>
+              </a:spcAft>
+            </a:pPr>
+            <a:r>
+              <a:rPr lang="de-DE" noProof="0"/>
+              <a:t>3.9.20XX</a:t>
+            </a:r>
           </a:p>
         </p:txBody>
       </p:sp>
     </p:spTree>
     <p:extLst>
       <p:ext uri="{BB962C8B-B14F-4D97-AF65-F5344CB8AC3E}">
-        <p14:creationId xmlns:p14="http://schemas.microsoft.com/office/powerpoint/2010/main" val="1498000389"/>
+        <p14:creationId xmlns:p14="http://schemas.microsoft.com/office/powerpoint/2010/main" val="125901882"/>
       </p:ext>
     </p:extLst>
   </p:cSld>
@@ -16045,7 +15914,7 @@
           <p:cNvPr id="2" name="Titel 1">
             <a:extLst>
               <a:ext uri="{FF2B5EF4-FFF2-40B4-BE49-F238E27FC236}">
-                <a16:creationId xmlns:a16="http://schemas.microsoft.com/office/drawing/2014/main" id="{47ADBE5C-979F-8045-E991-2AC7BB0CD4F2}"/>
+                <a16:creationId xmlns:a16="http://schemas.microsoft.com/office/drawing/2014/main" id="{D08F26BF-742A-8E0E-B6A8-D1D7EFF605C8}"/>
               </a:ext>
             </a:extLst>
           </p:cNvPr>
@@ -16056,31 +15925,24 @@
             <p:ph type="title"/>
           </p:nvPr>
         </p:nvSpPr>
-        <p:spPr>
-          <a:xfrm>
-            <a:off x="838200" y="365125"/>
-            <a:ext cx="10515600" cy="1000831"/>
-          </a:xfrm>
-        </p:spPr>
+        <p:spPr/>
         <p:txBody>
-          <a:bodyPr anchor="ctr">
-            <a:normAutofit/>
-          </a:bodyPr>
+          <a:bodyPr/>
           <a:lstStyle/>
           <a:p>
             <a:r>
               <a:rPr lang="de-AT" dirty="0"/>
-              <a:t>Hauptfenster</a:t>
+              <a:t>Bestellungen</a:t>
             </a:r>
           </a:p>
         </p:txBody>
       </p:sp>
       <p:pic>
         <p:nvPicPr>
-          <p:cNvPr id="8" name="Inhaltsplatzhalter 7">
+          <p:cNvPr id="6" name="Inhaltsplatzhalter 5">
             <a:extLst>
               <a:ext uri="{FF2B5EF4-FFF2-40B4-BE49-F238E27FC236}">
-                <a16:creationId xmlns:a16="http://schemas.microsoft.com/office/drawing/2014/main" id="{C60E1EBC-89C3-09E8-B0A9-8BE237D4C9C1}"/>
+                <a16:creationId xmlns:a16="http://schemas.microsoft.com/office/drawing/2014/main" id="{1C24993A-5396-3476-E696-D84B67183D5B}"/>
               </a:ext>
             </a:extLst>
           </p:cNvPr>
@@ -16099,18 +15961,17 @@
         </p:blipFill>
         <p:spPr>
           <a:xfrm>
-            <a:off x="838199" y="1253331"/>
-            <a:ext cx="11088983" cy="5239544"/>
+            <a:off x="5305778" y="51940"/>
+            <a:ext cx="4176889" cy="6754119"/>
           </a:xfrm>
-          <a:noFill/>
         </p:spPr>
       </p:pic>
       <p:sp>
         <p:nvSpPr>
-          <p:cNvPr id="6" name="Foliennummernplatzhalter 5">
+          <p:cNvPr id="4" name="Foliennummernplatzhalter 3">
             <a:extLst>
               <a:ext uri="{FF2B5EF4-FFF2-40B4-BE49-F238E27FC236}">
-                <a16:creationId xmlns:a16="http://schemas.microsoft.com/office/drawing/2014/main" id="{6DCD9FFE-9639-A578-9006-4EB8AFAE5D39}"/>
+                <a16:creationId xmlns:a16="http://schemas.microsoft.com/office/drawing/2014/main" id="{C21DEEB2-835B-7584-C9D9-ADE3CC04C582}"/>
               </a:ext>
             </a:extLst>
           </p:cNvPr>
@@ -16121,78 +15982,24 @@
             <p:ph type="sldNum" sz="quarter" idx="12"/>
           </p:nvPr>
         </p:nvSpPr>
-        <p:spPr>
-          <a:xfrm>
-            <a:off x="8610600" y="6356350"/>
-            <a:ext cx="2743200" cy="365125"/>
-          </a:xfrm>
-        </p:spPr>
+        <p:spPr/>
         <p:txBody>
-          <a:bodyPr anchor="ctr">
-            <a:normAutofit/>
-          </a:bodyPr>
+          <a:bodyPr/>
           <a:lstStyle/>
           <a:p>
-            <a:pPr rtl="0">
-              <a:spcAft>
-                <a:spcPts val="600"/>
-              </a:spcAft>
-            </a:pPr>
+            <a:pPr rtl="0"/>
             <a:fld id="{D8DA9DAA-006C-4F4B-980E-E3DF019B24E2}" type="slidenum">
               <a:rPr lang="de-DE" noProof="0" smtClean="0"/>
-              <a:pPr rtl="0">
-                <a:spcAft>
-                  <a:spcPts val="600"/>
-                </a:spcAft>
-              </a:pPr>
               <a:t>6</a:t>
             </a:fld>
             <a:endParaRPr lang="de-DE" noProof="0"/>
-          </a:p>
-        </p:txBody>
-      </p:sp>
-      <p:sp>
-        <p:nvSpPr>
-          <p:cNvPr id="4" name="Datumsplatzhalter 3" hidden="1">
-            <a:extLst>
-              <a:ext uri="{FF2B5EF4-FFF2-40B4-BE49-F238E27FC236}">
-                <a16:creationId xmlns:a16="http://schemas.microsoft.com/office/drawing/2014/main" id="{D00A823A-5250-6E6A-2F36-B04A9D3FE38B}"/>
-              </a:ext>
-            </a:extLst>
-          </p:cNvPr>
-          <p:cNvSpPr>
-            <a:spLocks noGrp="1"/>
-          </p:cNvSpPr>
-          <p:nvPr>
-            <p:ph type="dt" sz="half" idx="4294967295"/>
-          </p:nvPr>
-        </p:nvSpPr>
-        <p:spPr>
-          <a:xfrm>
-            <a:off x="658368" y="6356350"/>
-            <a:ext cx="2743200" cy="365125"/>
-          </a:xfrm>
-        </p:spPr>
-        <p:txBody>
-          <a:bodyPr/>
-          <a:lstStyle/>
-          <a:p>
-            <a:pPr rtl="0">
-              <a:spcAft>
-                <a:spcPts val="600"/>
-              </a:spcAft>
-            </a:pPr>
-            <a:r>
-              <a:rPr lang="de-DE" noProof="0"/>
-              <a:t>3.9.20XX</a:t>
-            </a:r>
           </a:p>
         </p:txBody>
       </p:sp>
     </p:spTree>
     <p:extLst>
       <p:ext uri="{BB962C8B-B14F-4D97-AF65-F5344CB8AC3E}">
-        <p14:creationId xmlns:p14="http://schemas.microsoft.com/office/powerpoint/2010/main" val="125901882"/>
+        <p14:creationId xmlns:p14="http://schemas.microsoft.com/office/powerpoint/2010/main" val="1277641178"/>
       </p:ext>
     </p:extLst>
   </p:cSld>
@@ -16224,123 +16031,6 @@
           <p:cNvPr id="2" name="Titel 1">
             <a:extLst>
               <a:ext uri="{FF2B5EF4-FFF2-40B4-BE49-F238E27FC236}">
-                <a16:creationId xmlns:a16="http://schemas.microsoft.com/office/drawing/2014/main" id="{D08F26BF-742A-8E0E-B6A8-D1D7EFF605C8}"/>
-              </a:ext>
-            </a:extLst>
-          </p:cNvPr>
-          <p:cNvSpPr>
-            <a:spLocks noGrp="1"/>
-          </p:cNvSpPr>
-          <p:nvPr>
-            <p:ph type="title"/>
-          </p:nvPr>
-        </p:nvSpPr>
-        <p:spPr/>
-        <p:txBody>
-          <a:bodyPr/>
-          <a:lstStyle/>
-          <a:p>
-            <a:r>
-              <a:rPr lang="de-AT" dirty="0"/>
-              <a:t>Bestellungen</a:t>
-            </a:r>
-          </a:p>
-        </p:txBody>
-      </p:sp>
-      <p:pic>
-        <p:nvPicPr>
-          <p:cNvPr id="6" name="Inhaltsplatzhalter 5">
-            <a:extLst>
-              <a:ext uri="{FF2B5EF4-FFF2-40B4-BE49-F238E27FC236}">
-                <a16:creationId xmlns:a16="http://schemas.microsoft.com/office/drawing/2014/main" id="{1C24993A-5396-3476-E696-D84B67183D5B}"/>
-              </a:ext>
-            </a:extLst>
-          </p:cNvPr>
-          <p:cNvPicPr>
-            <a:picLocks noGrp="1" noChangeAspect="1"/>
-          </p:cNvPicPr>
-          <p:nvPr>
-            <p:ph idx="1"/>
-          </p:nvPr>
-        </p:nvPicPr>
-        <p:blipFill>
-          <a:blip r:embed="rId2"/>
-          <a:stretch>
-            <a:fillRect/>
-          </a:stretch>
-        </p:blipFill>
-        <p:spPr>
-          <a:xfrm>
-            <a:off x="5305778" y="51940"/>
-            <a:ext cx="4176889" cy="6754119"/>
-          </a:xfrm>
-        </p:spPr>
-      </p:pic>
-      <p:sp>
-        <p:nvSpPr>
-          <p:cNvPr id="4" name="Foliennummernplatzhalter 3">
-            <a:extLst>
-              <a:ext uri="{FF2B5EF4-FFF2-40B4-BE49-F238E27FC236}">
-                <a16:creationId xmlns:a16="http://schemas.microsoft.com/office/drawing/2014/main" id="{C21DEEB2-835B-7584-C9D9-ADE3CC04C582}"/>
-              </a:ext>
-            </a:extLst>
-          </p:cNvPr>
-          <p:cNvSpPr>
-            <a:spLocks noGrp="1"/>
-          </p:cNvSpPr>
-          <p:nvPr>
-            <p:ph type="sldNum" sz="quarter" idx="12"/>
-          </p:nvPr>
-        </p:nvSpPr>
-        <p:spPr/>
-        <p:txBody>
-          <a:bodyPr/>
-          <a:lstStyle/>
-          <a:p>
-            <a:pPr rtl="0"/>
-            <a:fld id="{D8DA9DAA-006C-4F4B-980E-E3DF019B24E2}" type="slidenum">
-              <a:rPr lang="de-DE" noProof="0" smtClean="0"/>
-              <a:t>7</a:t>
-            </a:fld>
-            <a:endParaRPr lang="de-DE" noProof="0"/>
-          </a:p>
-        </p:txBody>
-      </p:sp>
-    </p:spTree>
-    <p:extLst>
-      <p:ext uri="{BB962C8B-B14F-4D97-AF65-F5344CB8AC3E}">
-        <p14:creationId xmlns:p14="http://schemas.microsoft.com/office/powerpoint/2010/main" val="1277641178"/>
-      </p:ext>
-    </p:extLst>
-  </p:cSld>
-  <p:clrMapOvr>
-    <a:masterClrMapping/>
-  </p:clrMapOvr>
-</p:sld>
-</file>
-
-<file path=ppt/slides/slide8.xml><?xml version="1.0" encoding="utf-8"?>
-<p:sld xmlns:a="http://schemas.openxmlformats.org/drawingml/2006/main" xmlns:r="http://schemas.openxmlformats.org/officeDocument/2006/relationships" xmlns:p="http://schemas.openxmlformats.org/presentationml/2006/main">
-  <p:cSld>
-    <p:spTree>
-      <p:nvGrpSpPr>
-        <p:cNvPr id="1" name=""/>
-        <p:cNvGrpSpPr/>
-        <p:nvPr/>
-      </p:nvGrpSpPr>
-      <p:grpSpPr>
-        <a:xfrm>
-          <a:off x="0" y="0"/>
-          <a:ext cx="0" cy="0"/>
-          <a:chOff x="0" y="0"/>
-          <a:chExt cx="0" cy="0"/>
-        </a:xfrm>
-      </p:grpSpPr>
-      <p:sp>
-        <p:nvSpPr>
-          <p:cNvPr id="2" name="Titel 1">
-            <a:extLst>
-              <a:ext uri="{FF2B5EF4-FFF2-40B4-BE49-F238E27FC236}">
                 <a16:creationId xmlns:a16="http://schemas.microsoft.com/office/drawing/2014/main" id="{1BCBCDD0-8DA2-0CC6-67AE-C831354A0C97}"/>
               </a:ext>
             </a:extLst>
@@ -16417,7 +16107,7 @@
             <a:pPr rtl="0"/>
             <a:fld id="{D8DA9DAA-006C-4F4B-980E-E3DF019B24E2}" type="slidenum">
               <a:rPr lang="de-DE" noProof="0" smtClean="0"/>
-              <a:t>8</a:t>
+              <a:t>7</a:t>
             </a:fld>
             <a:endParaRPr lang="de-DE" noProof="0"/>
           </a:p>
@@ -16466,7 +16156,7 @@
 </p:sld>
 </file>
 
-<file path=ppt/slides/slide9.xml><?xml version="1.0" encoding="utf-8"?>
+<file path=ppt/slides/slide8.xml><?xml version="1.0" encoding="utf-8"?>
 <p:sld xmlns:a="http://schemas.openxmlformats.org/drawingml/2006/main" xmlns:r="http://schemas.openxmlformats.org/officeDocument/2006/relationships" xmlns:p="http://schemas.openxmlformats.org/presentationml/2006/main">
   <p:cSld>
     <p:spTree>
@@ -16537,7 +16227,7 @@
             <a:fld id="{D8DA9DAA-006C-4F4B-980E-E3DF019B24E2}" type="slidenum">
               <a:rPr lang="de-DE" smtClean="0"/>
               <a:pPr rtl="0"/>
-              <a:t>9</a:t>
+              <a:t>8</a:t>
             </a:fld>
             <a:endParaRPr lang="de-DE"/>
           </a:p>
@@ -17525,12 +17215,12 @@
 </file>
 
 <file path=customXml/item1.xml><?xml version="1.0" encoding="utf-8"?>
-<?mso-contentType ?>
-<FormTemplates xmlns="http://schemas.microsoft.com/sharepoint/v3/contenttype/forms">
-  <Display>DocumentLibraryForm</Display>
-  <Edit>DocumentLibraryForm</Edit>
-  <New>DocumentLibraryForm</New>
-</FormTemplates>
+<p:properties xmlns:p="http://schemas.microsoft.com/office/2006/metadata/properties" xmlns:xsi="http://www.w3.org/2001/XMLSchema-instance" xmlns:pc="http://schemas.microsoft.com/office/infopath/2007/PartnerControls">
+  <documentManagement>
+    <Status xmlns="71af3243-3dd4-4a8d-8c0d-dd76da1f02a5">Not started</Status>
+    <MediaServiceKeyPoints xmlns="71af3243-3dd4-4a8d-8c0d-dd76da1f02a5" xsi:nil="true"/>
+  </documentManagement>
+</p:properties>
 </file>
 
 <file path=customXml/item2.xml><?xml version="1.0" encoding="utf-8"?>
@@ -17755,18 +17445,20 @@
 </file>
 
 <file path=customXml/item3.xml><?xml version="1.0" encoding="utf-8"?>
-<p:properties xmlns:p="http://schemas.microsoft.com/office/2006/metadata/properties" xmlns:xsi="http://www.w3.org/2001/XMLSchema-instance" xmlns:pc="http://schemas.microsoft.com/office/infopath/2007/PartnerControls">
-  <documentManagement>
-    <Status xmlns="71af3243-3dd4-4a8d-8c0d-dd76da1f02a5">Not started</Status>
-    <MediaServiceKeyPoints xmlns="71af3243-3dd4-4a8d-8c0d-dd76da1f02a5" xsi:nil="true"/>
-  </documentManagement>
-</p:properties>
+<?mso-contentType ?>
+<FormTemplates xmlns="http://schemas.microsoft.com/sharepoint/v3/contenttype/forms">
+  <Display>DocumentLibraryForm</Display>
+  <Edit>DocumentLibraryForm</Edit>
+  <New>DocumentLibraryForm</New>
+</FormTemplates>
 </file>
 
 <file path=customXml/itemProps1.xml><?xml version="1.0" encoding="utf-8"?>
-<ds:datastoreItem xmlns:ds="http://schemas.openxmlformats.org/officeDocument/2006/customXml" ds:itemID="{3C8E00D1-8EA3-4E42-801D-0253E1EAFC21}">
+<ds:datastoreItem xmlns:ds="http://schemas.openxmlformats.org/officeDocument/2006/customXml" ds:itemID="{99919F73-B6C2-4A43-95E2-833EC48925FE}">
   <ds:schemaRefs>
-    <ds:schemaRef ds:uri="http://schemas.microsoft.com/sharepoint/v3/contenttype/forms"/>
+    <ds:schemaRef ds:uri="http://schemas.microsoft.com/office/2006/metadata/properties"/>
+    <ds:schemaRef ds:uri="http://schemas.microsoft.com/office/infopath/2007/PartnerControls"/>
+    <ds:schemaRef ds:uri="71af3243-3dd4-4a8d-8c0d-dd76da1f02a5"/>
   </ds:schemaRefs>
 </ds:datastoreItem>
 </file>
@@ -17791,11 +17483,9 @@
 </file>
 
 <file path=customXml/itemProps3.xml><?xml version="1.0" encoding="utf-8"?>
-<ds:datastoreItem xmlns:ds="http://schemas.openxmlformats.org/officeDocument/2006/customXml" ds:itemID="{99919F73-B6C2-4A43-95E2-833EC48925FE}">
+<ds:datastoreItem xmlns:ds="http://schemas.openxmlformats.org/officeDocument/2006/customXml" ds:itemID="{3C8E00D1-8EA3-4E42-801D-0253E1EAFC21}">
   <ds:schemaRefs>
-    <ds:schemaRef ds:uri="http://schemas.microsoft.com/office/2006/metadata/properties"/>
-    <ds:schemaRef ds:uri="http://schemas.microsoft.com/office/infopath/2007/PartnerControls"/>
-    <ds:schemaRef ds:uri="71af3243-3dd4-4a8d-8c0d-dd76da1f02a5"/>
+    <ds:schemaRef ds:uri="http://schemas.microsoft.com/sharepoint/v3/contenttype/forms"/>
   </ds:schemaRefs>
 </ds:datastoreItem>
 </file>